--- a/slides/IoC Block 1 - Day 1 - Lesson 4 - Algorithms.pptx
+++ b/slides/IoC Block 1 - Day 1 - Lesson 4 - Algorithms.pptx
@@ -280,7 +280,7 @@
               <a:pPr>
                 <a:defRPr/>
               </a:pPr>
-              <a:t>23/06/2019</a:t>
+              <a:t>30/06/2019</a:t>
             </a:fld>
             <a:endParaRPr lang="en-GB" dirty="0"/>
           </a:p>
@@ -664,10 +664,7 @@
               </a:spcAft>
               <a:defRPr/>
             </a:pPr>
-            <a:r>
-              <a:rPr lang="en-GB" sz="2143" dirty="0"/>
-              <a:t>Please do not reduce the font size as this is the recommended size for mobile phone users.</a:t>
-            </a:r>
+            <a:endParaRPr lang="en-GB" sz="2143" dirty="0"/>
           </a:p>
         </p:txBody>
       </p:sp>
@@ -4114,7 +4111,7 @@
               <a:pPr>
                 <a:defRPr/>
               </a:pPr>
-              <a:t>23/06/2019</a:t>
+              <a:t>30/06/2019</a:t>
             </a:fld>
             <a:endParaRPr lang="en-GB" dirty="0"/>
           </a:p>
@@ -4579,7 +4576,7 @@
               <a:pPr>
                 <a:defRPr/>
               </a:pPr>
-              <a:t>23/06/2019</a:t>
+              <a:t>30/06/2019</a:t>
             </a:fld>
             <a:endParaRPr lang="en-GB" dirty="0"/>
           </a:p>
@@ -11918,18 +11915,18 @@
 </file>
 
 <file path=customXml/item1.xml><?xml version="1.0" encoding="utf-8"?>
+<p:properties xmlns:p="http://schemas.microsoft.com/office/2006/metadata/properties" xmlns:xsi="http://www.w3.org/2001/XMLSchema-instance" xmlns:pc="http://schemas.microsoft.com/office/infopath/2007/PartnerControls">
+  <documentManagement/>
+</p:properties>
+</file>
+
+<file path=customXml/item2.xml><?xml version="1.0" encoding="utf-8"?>
 <?mso-contentType ?>
 <FormTemplates xmlns="http://schemas.microsoft.com/sharepoint/v3/contenttype/forms">
   <Display>DocumentLibraryForm</Display>
   <Edit>DocumentLibraryForm</Edit>
   <New>DocumentLibraryForm</New>
 </FormTemplates>
-</file>
-
-<file path=customXml/item2.xml><?xml version="1.0" encoding="utf-8"?>
-<p:properties xmlns:p="http://schemas.microsoft.com/office/2006/metadata/properties" xmlns:xsi="http://www.w3.org/2001/XMLSchema-instance" xmlns:pc="http://schemas.microsoft.com/office/infopath/2007/PartnerControls">
-  <documentManagement/>
-</p:properties>
 </file>
 
 <file path=customXml/item3.xml><?xml version="1.0" encoding="utf-8"?>
@@ -12065,14 +12062,6 @@
 </file>
 
 <file path=customXml/itemProps1.xml><?xml version="1.0" encoding="utf-8"?>
-<ds:datastoreItem xmlns:ds="http://schemas.openxmlformats.org/officeDocument/2006/customXml" ds:itemID="{6C55CF53-F4D5-4037-870E-F995ED119F37}">
-  <ds:schemaRefs>
-    <ds:schemaRef ds:uri="http://schemas.microsoft.com/sharepoint/v3/contenttype/forms"/>
-  </ds:schemaRefs>
-</ds:datastoreItem>
-</file>
-
-<file path=customXml/itemProps2.xml><?xml version="1.0" encoding="utf-8"?>
 <ds:datastoreItem xmlns:ds="http://schemas.openxmlformats.org/officeDocument/2006/customXml" ds:itemID="{13790DDF-3221-496A-9510-FF862EF10292}">
   <ds:schemaRefs>
     <ds:schemaRef ds:uri="http://purl.org/dc/terms/"/>
@@ -12084,6 +12073,14 @@
     <ds:schemaRef ds:uri="http://schemas.microsoft.com/office/2006/metadata/properties"/>
     <ds:schemaRef ds:uri="http://www.w3.org/XML/1998/namespace"/>
     <ds:schemaRef ds:uri="http://purl.org/dc/elements/1.1/"/>
+  </ds:schemaRefs>
+</ds:datastoreItem>
+</file>
+
+<file path=customXml/itemProps2.xml><?xml version="1.0" encoding="utf-8"?>
+<ds:datastoreItem xmlns:ds="http://schemas.openxmlformats.org/officeDocument/2006/customXml" ds:itemID="{6C55CF53-F4D5-4037-870E-F995ED119F37}">
+  <ds:schemaRefs>
+    <ds:schemaRef ds:uri="http://schemas.microsoft.com/sharepoint/v3/contenttype/forms"/>
   </ds:schemaRefs>
 </ds:datastoreItem>
 </file>
